--- a/Presentation.pptx
+++ b/Presentation.pptx
@@ -6,20 +6,21 @@
   </p:sldMasterIdLst>
   <p:sldIdLst>
     <p:sldId id="256" r:id="rId2"/>
-    <p:sldId id="257" r:id="rId3"/>
-    <p:sldId id="258" r:id="rId4"/>
-    <p:sldId id="259" r:id="rId5"/>
-    <p:sldId id="260" r:id="rId6"/>
-    <p:sldId id="261" r:id="rId7"/>
-    <p:sldId id="262" r:id="rId8"/>
-    <p:sldId id="263" r:id="rId9"/>
-    <p:sldId id="264" r:id="rId10"/>
-    <p:sldId id="265" r:id="rId11"/>
-    <p:sldId id="266" r:id="rId12"/>
-    <p:sldId id="267" r:id="rId13"/>
-    <p:sldId id="268" r:id="rId14"/>
-    <p:sldId id="269" r:id="rId15"/>
-    <p:sldId id="270" r:id="rId16"/>
+    <p:sldId id="271" r:id="rId3"/>
+    <p:sldId id="257" r:id="rId4"/>
+    <p:sldId id="258" r:id="rId5"/>
+    <p:sldId id="259" r:id="rId6"/>
+    <p:sldId id="260" r:id="rId7"/>
+    <p:sldId id="261" r:id="rId8"/>
+    <p:sldId id="262" r:id="rId9"/>
+    <p:sldId id="263" r:id="rId10"/>
+    <p:sldId id="264" r:id="rId11"/>
+    <p:sldId id="265" r:id="rId12"/>
+    <p:sldId id="266" r:id="rId13"/>
+    <p:sldId id="267" r:id="rId14"/>
+    <p:sldId id="268" r:id="rId15"/>
+    <p:sldId id="269" r:id="rId16"/>
+    <p:sldId id="270" r:id="rId17"/>
   </p:sldIdLst>
   <p:sldSz cx="9144000" cy="6858000" type="screen4x3"/>
   <p:notesSz cx="6858000" cy="9144000"/>
@@ -303,7 +304,7 @@
             <a:fld id="{1D8BD707-D9CF-40AE-B4C6-C98DA3205C09}" type="datetimeFigureOut">
               <a:rPr lang="en-US" smtClean="0"/>
               <a:pPr/>
-              <a:t>30-Apr-12</a:t>
+              <a:t>01-May-12</a:t>
             </a:fld>
             <a:endParaRPr lang="en-US"/>
           </a:p>
@@ -470,7 +471,7 @@
             <a:fld id="{1D8BD707-D9CF-40AE-B4C6-C98DA3205C09}" type="datetimeFigureOut">
               <a:rPr lang="en-US" smtClean="0"/>
               <a:pPr/>
-              <a:t>30-Apr-12</a:t>
+              <a:t>01-May-12</a:t>
             </a:fld>
             <a:endParaRPr lang="en-US"/>
           </a:p>
@@ -647,7 +648,7 @@
             <a:fld id="{1D8BD707-D9CF-40AE-B4C6-C98DA3205C09}" type="datetimeFigureOut">
               <a:rPr lang="en-US" smtClean="0"/>
               <a:pPr/>
-              <a:t>30-Apr-12</a:t>
+              <a:t>01-May-12</a:t>
             </a:fld>
             <a:endParaRPr lang="en-US"/>
           </a:p>
@@ -814,7 +815,7 @@
             <a:fld id="{1D8BD707-D9CF-40AE-B4C6-C98DA3205C09}" type="datetimeFigureOut">
               <a:rPr lang="en-US" smtClean="0"/>
               <a:pPr/>
-              <a:t>30-Apr-12</a:t>
+              <a:t>01-May-12</a:t>
             </a:fld>
             <a:endParaRPr lang="en-US"/>
           </a:p>
@@ -1057,7 +1058,7 @@
             <a:fld id="{1D8BD707-D9CF-40AE-B4C6-C98DA3205C09}" type="datetimeFigureOut">
               <a:rPr lang="en-US" smtClean="0"/>
               <a:pPr/>
-              <a:t>30-Apr-12</a:t>
+              <a:t>01-May-12</a:t>
             </a:fld>
             <a:endParaRPr lang="en-US"/>
           </a:p>
@@ -1342,7 +1343,7 @@
             <a:fld id="{1D8BD707-D9CF-40AE-B4C6-C98DA3205C09}" type="datetimeFigureOut">
               <a:rPr lang="en-US" smtClean="0"/>
               <a:pPr/>
-              <a:t>30-Apr-12</a:t>
+              <a:t>01-May-12</a:t>
             </a:fld>
             <a:endParaRPr lang="en-US"/>
           </a:p>
@@ -1761,7 +1762,7 @@
             <a:fld id="{1D8BD707-D9CF-40AE-B4C6-C98DA3205C09}" type="datetimeFigureOut">
               <a:rPr lang="en-US" smtClean="0"/>
               <a:pPr/>
-              <a:t>30-Apr-12</a:t>
+              <a:t>01-May-12</a:t>
             </a:fld>
             <a:endParaRPr lang="en-US"/>
           </a:p>
@@ -1876,7 +1877,7 @@
             <a:fld id="{1D8BD707-D9CF-40AE-B4C6-C98DA3205C09}" type="datetimeFigureOut">
               <a:rPr lang="en-US" smtClean="0"/>
               <a:pPr/>
-              <a:t>30-Apr-12</a:t>
+              <a:t>01-May-12</a:t>
             </a:fld>
             <a:endParaRPr lang="en-US"/>
           </a:p>
@@ -1968,7 +1969,7 @@
             <a:fld id="{1D8BD707-D9CF-40AE-B4C6-C98DA3205C09}" type="datetimeFigureOut">
               <a:rPr lang="en-US" smtClean="0"/>
               <a:pPr/>
-              <a:t>30-Apr-12</a:t>
+              <a:t>01-May-12</a:t>
             </a:fld>
             <a:endParaRPr lang="en-US"/>
           </a:p>
@@ -2242,7 +2243,7 @@
             <a:fld id="{1D8BD707-D9CF-40AE-B4C6-C98DA3205C09}" type="datetimeFigureOut">
               <a:rPr lang="en-US" smtClean="0"/>
               <a:pPr/>
-              <a:t>30-Apr-12</a:t>
+              <a:t>01-May-12</a:t>
             </a:fld>
             <a:endParaRPr lang="en-US"/>
           </a:p>
@@ -2492,7 +2493,7 @@
             <a:fld id="{1D8BD707-D9CF-40AE-B4C6-C98DA3205C09}" type="datetimeFigureOut">
               <a:rPr lang="en-US" smtClean="0"/>
               <a:pPr/>
-              <a:t>30-Apr-12</a:t>
+              <a:t>01-May-12</a:t>
             </a:fld>
             <a:endParaRPr lang="en-US"/>
           </a:p>
@@ -2702,7 +2703,7 @@
             <a:fld id="{1D8BD707-D9CF-40AE-B4C6-C98DA3205C09}" type="datetimeFigureOut">
               <a:rPr lang="en-US" smtClean="0"/>
               <a:pPr/>
-              <a:t>30-Apr-12</a:t>
+              <a:t>01-May-12</a:t>
             </a:fld>
             <a:endParaRPr lang="en-US"/>
           </a:p>
@@ -3344,7 +3345,15 @@
           <a:p>
             <a:r>
               <a:rPr lang="en-US" dirty="0" smtClean="0"/>
-              <a:t>Test review</a:t>
+              <a:t>Tasks completed (</a:t>
+            </a:r>
+            <a:r>
+              <a:rPr lang="en-US" dirty="0" err="1" smtClean="0"/>
+              <a:t>cotd</a:t>
+            </a:r>
+            <a:r>
+              <a:rPr lang="en-US" dirty="0" smtClean="0"/>
+              <a:t>.)</a:t>
             </a:r>
             <a:endParaRPr lang="en-US" dirty="0"/>
           </a:p>
@@ -3366,8 +3375,17 @@
           <a:lstStyle/>
           <a:p>
             <a:r>
+              <a:rPr lang="en-US" dirty="0" smtClean="0"/>
+              <a:t>Debugging of the code</a:t>
+            </a:r>
+          </a:p>
+          <a:p>
+            <a:pPr>
+              <a:buNone/>
+            </a:pPr>
+            <a:r>
               <a:rPr lang="en-US" sz="2400" dirty="0" smtClean="0"/>
-              <a:t>Test criteria : Particle filter</a:t>
+              <a:t>Problem : Many difficulties during debugging/editing of code</a:t>
             </a:r>
           </a:p>
           <a:p>
@@ -3376,7 +3394,13 @@
             </a:pPr>
             <a:r>
               <a:rPr lang="en-US" sz="2400" dirty="0" smtClean="0"/>
-              <a:t>     Test description : Use of NI Vision Assistant module to specify the pixel size of the particles to be removed</a:t>
+              <a:t>Solution : Implementation of standard state machines and modular development of the code</a:t>
+            </a:r>
+          </a:p>
+          <a:p>
+            <a:r>
+              <a:rPr lang="en-US" dirty="0" smtClean="0"/>
+              <a:t>Database correction</a:t>
             </a:r>
           </a:p>
           <a:p>
@@ -3385,50 +3409,17 @@
             </a:pPr>
             <a:r>
               <a:rPr lang="en-US" sz="2400" dirty="0" smtClean="0"/>
-              <a:t>     Performance : Bounded areas with size less than the specified (9mm) were removed </a:t>
-            </a:r>
-          </a:p>
-          <a:p>
+              <a:t>Problem : Image processing is not 100% accurate</a:t>
+            </a:r>
+          </a:p>
+          <a:p>
+            <a:pPr>
+              <a:buNone/>
+            </a:pPr>
             <a:r>
               <a:rPr lang="en-US" sz="2400" dirty="0" smtClean="0"/>
-              <a:t>Test criteria : Black on white/White on black recognition</a:t>
-            </a:r>
-          </a:p>
-          <a:p>
-            <a:pPr>
-              <a:buNone/>
-            </a:pPr>
-            <a:r>
-              <a:rPr lang="en-US" sz="2400" dirty="0" smtClean="0"/>
-              <a:t>     Test description : Horizontal profile taken to get the mean. This mean is compared with the threshold (127) to decide the background color</a:t>
-            </a:r>
-          </a:p>
-          <a:p>
-            <a:pPr>
-              <a:buNone/>
-            </a:pPr>
-            <a:r>
-              <a:rPr lang="en-US" sz="2400" dirty="0" smtClean="0"/>
-              <a:t>     Performance : Estimation of background and character color is hence done </a:t>
-            </a:r>
-          </a:p>
-          <a:p>
-            <a:pPr>
-              <a:buNone/>
-            </a:pPr>
-            <a:endParaRPr lang="en-US" sz="2400" dirty="0" smtClean="0"/>
-          </a:p>
-          <a:p>
-            <a:pPr>
-              <a:buNone/>
-            </a:pPr>
-            <a:endParaRPr lang="en-US" sz="2400" dirty="0" smtClean="0"/>
-          </a:p>
-          <a:p>
-            <a:pPr>
-              <a:buNone/>
-            </a:pPr>
-            <a:endParaRPr lang="en-US" sz="2400" dirty="0" smtClean="0"/>
+              <a:t>Solution : Results after processing are matched with the database to get/predict the correct string</a:t>
+            </a:r>
           </a:p>
         </p:txBody>
       </p:sp>
@@ -3481,15 +3472,7 @@
           <a:p>
             <a:r>
               <a:rPr lang="en-US" dirty="0" smtClean="0"/>
-              <a:t>Test review (</a:t>
-            </a:r>
-            <a:r>
-              <a:rPr lang="en-US" dirty="0" err="1" smtClean="0"/>
-              <a:t>cotd</a:t>
-            </a:r>
-            <a:r>
-              <a:rPr lang="en-US" dirty="0" smtClean="0"/>
-              <a:t>.)</a:t>
+              <a:t>Test review</a:t>
             </a:r>
             <a:endParaRPr lang="en-US" dirty="0"/>
           </a:p>
@@ -3507,14 +3490,12 @@
         </p:nvSpPr>
         <p:spPr/>
         <p:txBody>
-          <a:bodyPr>
-            <a:normAutofit lnSpcReduction="10000"/>
-          </a:bodyPr>
+          <a:bodyPr/>
           <a:lstStyle/>
           <a:p>
             <a:r>
               <a:rPr lang="en-US" sz="2400" dirty="0" smtClean="0"/>
-              <a:t>Test criteria : ROI calculation</a:t>
+              <a:t>Test criteria : Particle filter</a:t>
             </a:r>
           </a:p>
           <a:p>
@@ -3523,7 +3504,7 @@
             </a:pPr>
             <a:r>
               <a:rPr lang="en-US" sz="2400" dirty="0" smtClean="0"/>
-              <a:t>     Test description : Transitions in the intensities of mean vertical profile are plotted for dynamic ROI calculation</a:t>
+              <a:t>     Test description : Use of NI Vision Assistant module to specify the pixel size of the particles to be removed</a:t>
             </a:r>
           </a:p>
           <a:p>
@@ -3532,13 +3513,13 @@
             </a:pPr>
             <a:r>
               <a:rPr lang="en-US" sz="2400" dirty="0" smtClean="0"/>
-              <a:t>     Performance : ROI based segmentation gave out fruitful results thus ensuring that the algorithm was correct</a:t>
+              <a:t>     Performance : Bounded areas with size less than the specified (9mm) were removed </a:t>
             </a:r>
           </a:p>
           <a:p>
             <a:r>
               <a:rPr lang="en-US" sz="2400" dirty="0" smtClean="0"/>
-              <a:t>Test criteria : Database predictions</a:t>
+              <a:t>Test criteria : Black on white/White on black recognition</a:t>
             </a:r>
           </a:p>
           <a:p>
@@ -3547,7 +3528,7 @@
             </a:pPr>
             <a:r>
               <a:rPr lang="en-US" sz="2400" dirty="0" smtClean="0"/>
-              <a:t>     Test description : Matrix format of the entries from the database are compared (by correlation) from the matrix formats of the recognized string</a:t>
+              <a:t>     Test description : Horizontal profile taken to get the mean. This mean is compared with the threshold (127) to decide the background color</a:t>
             </a:r>
           </a:p>
           <a:p>
@@ -3556,18 +3537,26 @@
             </a:pPr>
             <a:r>
               <a:rPr lang="en-US" sz="2400" dirty="0" smtClean="0"/>
-              <a:t>      Performance : Misread entries were predicted correctly</a:t>
+              <a:t>     Performance : Estimation of background and character color is hence done </a:t>
             </a:r>
           </a:p>
           <a:p>
             <a:pPr>
               <a:buNone/>
             </a:pPr>
-            <a:r>
-              <a:rPr lang="en-US" sz="2400" dirty="0" smtClean="0"/>
-              <a:t>  </a:t>
-            </a:r>
-            <a:endParaRPr lang="en-US" sz="2400" dirty="0"/>
+            <a:endParaRPr lang="en-US" sz="2400" dirty="0" smtClean="0"/>
+          </a:p>
+          <a:p>
+            <a:pPr>
+              <a:buNone/>
+            </a:pPr>
+            <a:endParaRPr lang="en-US" sz="2400" dirty="0" smtClean="0"/>
+          </a:p>
+          <a:p>
+            <a:pPr>
+              <a:buNone/>
+            </a:pPr>
+            <a:endParaRPr lang="en-US" sz="2400" dirty="0" smtClean="0"/>
           </a:p>
         </p:txBody>
       </p:sp>
@@ -3620,7 +3609,15 @@
           <a:p>
             <a:r>
               <a:rPr lang="en-US" dirty="0" smtClean="0"/>
-              <a:t>Re-usability factors</a:t>
+              <a:t>Test review (</a:t>
+            </a:r>
+            <a:r>
+              <a:rPr lang="en-US" dirty="0" err="1" smtClean="0"/>
+              <a:t>cotd</a:t>
+            </a:r>
+            <a:r>
+              <a:rPr lang="en-US" dirty="0" smtClean="0"/>
+              <a:t>.)</a:t>
             </a:r>
             <a:endParaRPr lang="en-US" dirty="0"/>
           </a:p>
@@ -3645,7 +3642,7 @@
           <a:p>
             <a:r>
               <a:rPr lang="en-US" sz="2400" dirty="0" smtClean="0"/>
-              <a:t>For modular programming project is divided into four modules :</a:t>
+              <a:t>Test criteria : ROI calculation</a:t>
             </a:r>
           </a:p>
           <a:p>
@@ -3654,7 +3651,7 @@
             </a:pPr>
             <a:r>
               <a:rPr lang="en-US" sz="2400" dirty="0" smtClean="0"/>
-              <a:t>      Image capturing</a:t>
+              <a:t>     Test description : Transitions in the intensities of mean vertical profile are plotted for dynamic ROI calculation</a:t>
             </a:r>
           </a:p>
           <a:p>
@@ -3663,7 +3660,13 @@
             </a:pPr>
             <a:r>
               <a:rPr lang="en-US" sz="2400" dirty="0" smtClean="0"/>
-              <a:t>	 Image processing</a:t>
+              <a:t>     Performance : ROI based segmentation gave out fruitful results thus ensuring that the algorithm was correct</a:t>
+            </a:r>
+          </a:p>
+          <a:p>
+            <a:r>
+              <a:rPr lang="en-US" sz="2400" dirty="0" smtClean="0"/>
+              <a:t>Test criteria : Database predictions</a:t>
             </a:r>
           </a:p>
           <a:p>
@@ -3672,7 +3675,7 @@
             </a:pPr>
             <a:r>
               <a:rPr lang="en-US" sz="2400" dirty="0" smtClean="0"/>
-              <a:t>	 OCR unit</a:t>
+              <a:t>     Test description : Matrix format of the entries from the database are compared (by correlation) from the matrix formats of the recognized string</a:t>
             </a:r>
           </a:p>
           <a:p>
@@ -3681,20 +3684,18 @@
             </a:pPr>
             <a:r>
               <a:rPr lang="en-US" sz="2400" dirty="0" smtClean="0"/>
-              <a:t>	 Database interfacing</a:t>
-            </a:r>
-          </a:p>
-          <a:p>
+              <a:t>      Performance : Misread entries were predicted correctly</a:t>
+            </a:r>
+          </a:p>
+          <a:p>
+            <a:pPr>
+              <a:buNone/>
+            </a:pPr>
             <a:r>
               <a:rPr lang="en-US" sz="2400" dirty="0" smtClean="0"/>
-              <a:t>Development of the codes as per standards like implementing standard state machines, separate Vis for small functions, documentation of code in the code itself, etc. </a:t>
-            </a:r>
-          </a:p>
-          <a:p>
-            <a:r>
-              <a:rPr lang="en-US" sz="2400" dirty="0" smtClean="0"/>
-              <a:t>Debugging indicators implemented which helps in tracing the error root and the type </a:t>
-            </a:r>
+              <a:t>  </a:t>
+            </a:r>
+            <a:endParaRPr lang="en-US" sz="2400" dirty="0"/>
           </a:p>
         </p:txBody>
       </p:sp>
@@ -3747,7 +3748,7 @@
           <a:p>
             <a:r>
               <a:rPr lang="en-US" dirty="0" smtClean="0"/>
-              <a:t>Future scope</a:t>
+              <a:t>Re-usability factors</a:t>
             </a:r>
             <a:endParaRPr lang="en-US" dirty="0"/>
           </a:p>
@@ -3765,47 +3766,32 @@
         </p:nvSpPr>
         <p:spPr/>
         <p:txBody>
-          <a:bodyPr/>
-          <a:lstStyle/>
-          <a:p>
-            <a:r>
-              <a:rPr lang="en-IN" dirty="0" smtClean="0"/>
-              <a:t>Viewing it as a product: </a:t>
-            </a:r>
-            <a:endParaRPr lang="en-US" dirty="0" smtClean="0"/>
+          <a:bodyPr>
+            <a:normAutofit lnSpcReduction="10000"/>
+          </a:bodyPr>
+          <a:lstStyle/>
+          <a:p>
+            <a:r>
+              <a:rPr lang="en-US" sz="2400" dirty="0" smtClean="0"/>
+              <a:t>For modular programming project is divided into four modules :</a:t>
+            </a:r>
           </a:p>
           <a:p>
             <a:pPr>
               <a:buNone/>
             </a:pPr>
             <a:r>
-              <a:rPr lang="en-US" dirty="0" smtClean="0"/>
-              <a:t>	</a:t>
-            </a:r>
-            <a:r>
-              <a:rPr lang="en-IN" sz="2400" dirty="0" smtClean="0"/>
-              <a:t>Considering the system as a finished product, it is vital that the system be robust. Hence shaping it considering the same aspects of a finished product is necessary.</a:t>
-            </a:r>
-            <a:endParaRPr lang="en-US" sz="2400" dirty="0" smtClean="0"/>
-          </a:p>
-          <a:p>
-            <a:r>
-              <a:rPr lang="en-IN" dirty="0" smtClean="0"/>
-              <a:t>Image processing:</a:t>
-            </a:r>
-            <a:endParaRPr lang="en-US" dirty="0" smtClean="0"/>
+              <a:rPr lang="en-US" sz="2400" dirty="0" smtClean="0"/>
+              <a:t>      Image capturing</a:t>
+            </a:r>
           </a:p>
           <a:p>
             <a:pPr>
               <a:buNone/>
             </a:pPr>
             <a:r>
-              <a:rPr lang="en-US" dirty="0" smtClean="0"/>
-              <a:t>	</a:t>
-            </a:r>
-            <a:r>
               <a:rPr lang="en-US" sz="2400" dirty="0" smtClean="0"/>
-              <a:t>More robust image processing algorithms for recognition</a:t>
+              <a:t>	 Image processing</a:t>
             </a:r>
           </a:p>
           <a:p>
@@ -3814,9 +3800,29 @@
             </a:pPr>
             <a:r>
               <a:rPr lang="en-US" sz="2400" dirty="0" smtClean="0"/>
-              <a:t>	Character connection and prediction codes dedicated for engraved targets</a:t>
-            </a:r>
-            <a:endParaRPr lang="en-US" dirty="0"/>
+              <a:t>	 OCR unit</a:t>
+            </a:r>
+          </a:p>
+          <a:p>
+            <a:pPr>
+              <a:buNone/>
+            </a:pPr>
+            <a:r>
+              <a:rPr lang="en-US" sz="2400" dirty="0" smtClean="0"/>
+              <a:t>	 Database interfacing</a:t>
+            </a:r>
+          </a:p>
+          <a:p>
+            <a:r>
+              <a:rPr lang="en-US" sz="2400" dirty="0" smtClean="0"/>
+              <a:t>Development of the codes as per standards like implementing standard state machines, separate Vis for small functions, documentation of code in the code itself, etc. </a:t>
+            </a:r>
+          </a:p>
+          <a:p>
+            <a:r>
+              <a:rPr lang="en-US" sz="2400" dirty="0" smtClean="0"/>
+              <a:t>Debugging indicators implemented which helps in tracing the error root and the type </a:t>
+            </a:r>
           </a:p>
         </p:txBody>
       </p:sp>
@@ -3869,15 +3875,7 @@
           <a:p>
             <a:r>
               <a:rPr lang="en-US" dirty="0" smtClean="0"/>
-              <a:t>Future scope (</a:t>
-            </a:r>
-            <a:r>
-              <a:rPr lang="en-US" dirty="0" err="1" smtClean="0"/>
-              <a:t>cotd</a:t>
-            </a:r>
-            <a:r>
-              <a:rPr lang="en-US" dirty="0" smtClean="0"/>
-              <a:t>.)</a:t>
+              <a:t>Future scope</a:t>
             </a:r>
             <a:endParaRPr lang="en-US" dirty="0"/>
           </a:p>
@@ -3899,9 +3897,10 @@
           <a:lstStyle/>
           <a:p>
             <a:r>
-              <a:rPr lang="en-US" dirty="0" smtClean="0"/>
-              <a:t>Additional features </a:t>
-            </a:r>
+              <a:rPr lang="en-IN" dirty="0" smtClean="0"/>
+              <a:t>Viewing it as a product: </a:t>
+            </a:r>
+            <a:endParaRPr lang="en-US" dirty="0" smtClean="0"/>
           </a:p>
           <a:p>
             <a:pPr>
@@ -3912,15 +3911,17 @@
               <a:t>	</a:t>
             </a:r>
             <a:r>
-              <a:rPr lang="en-US" sz="2400" dirty="0" smtClean="0"/>
-              <a:t>Barcode reading, reading multiple words separated vertically, etc. </a:t>
-            </a:r>
-          </a:p>
-          <a:p>
-            <a:r>
-              <a:rPr lang="en-US" dirty="0" smtClean="0"/>
-              <a:t>Hardware module </a:t>
-            </a:r>
+              <a:rPr lang="en-IN" sz="2400" dirty="0" smtClean="0"/>
+              <a:t>Considering the system as a finished product, it is vital that the system be robust. Hence shaping it considering the same aspects of a finished product is necessary.</a:t>
+            </a:r>
+            <a:endParaRPr lang="en-US" sz="2400" dirty="0" smtClean="0"/>
+          </a:p>
+          <a:p>
+            <a:r>
+              <a:rPr lang="en-IN" dirty="0" smtClean="0"/>
+              <a:t>Image processing:</a:t>
+            </a:r>
+            <a:endParaRPr lang="en-US" dirty="0" smtClean="0"/>
           </a:p>
           <a:p>
             <a:pPr>
@@ -3932,32 +3933,18 @@
             </a:r>
             <a:r>
               <a:rPr lang="en-US" sz="2400" dirty="0" smtClean="0"/>
-              <a:t>Permanent low cost hardware module with camera casing </a:t>
-            </a:r>
+              <a:t>More robust image processing algorithms for recognition</a:t>
+            </a:r>
+          </a:p>
+          <a:p>
+            <a:pPr>
+              <a:buNone/>
+            </a:pPr>
             <a:r>
               <a:rPr lang="en-US" sz="2400" dirty="0" smtClean="0"/>
-              <a:t>mounted</a:t>
-            </a:r>
-          </a:p>
-          <a:p>
-            <a:r>
-              <a:rPr lang="en-US" dirty="0" smtClean="0"/>
-              <a:t>Adaptability</a:t>
-            </a:r>
-          </a:p>
-          <a:p>
-            <a:pPr>
-              <a:buNone/>
-            </a:pPr>
-            <a:r>
-              <a:rPr lang="en-US" sz="2400" dirty="0" smtClean="0"/>
-              <a:t>	System should adaptable to many and </a:t>
-            </a:r>
-            <a:r>
-              <a:rPr lang="en-US" sz="2400" smtClean="0"/>
-              <a:t>all conditions</a:t>
-            </a:r>
-            <a:endParaRPr lang="en-US" sz="2400" dirty="0"/>
+              <a:t>	Character connection and prediction codes dedicated for engraved targets</a:t>
+            </a:r>
+            <a:endParaRPr lang="en-US" dirty="0"/>
           </a:p>
         </p:txBody>
       </p:sp>
@@ -4003,6 +3990,143 @@
             <p:ph type="title"/>
           </p:nvPr>
         </p:nvSpPr>
+        <p:spPr/>
+        <p:txBody>
+          <a:bodyPr/>
+          <a:lstStyle/>
+          <a:p>
+            <a:r>
+              <a:rPr lang="en-US" dirty="0" smtClean="0"/>
+              <a:t>Future scope (</a:t>
+            </a:r>
+            <a:r>
+              <a:rPr lang="en-US" dirty="0" err="1" smtClean="0"/>
+              <a:t>cotd</a:t>
+            </a:r>
+            <a:r>
+              <a:rPr lang="en-US" dirty="0" smtClean="0"/>
+              <a:t>.)</a:t>
+            </a:r>
+            <a:endParaRPr lang="en-US" dirty="0"/>
+          </a:p>
+        </p:txBody>
+      </p:sp>
+      <p:sp>
+        <p:nvSpPr>
+          <p:cNvPr id="3" name="Content Placeholder 2"/>
+          <p:cNvSpPr>
+            <a:spLocks noGrp="1"/>
+          </p:cNvSpPr>
+          <p:nvPr>
+            <p:ph idx="1"/>
+          </p:nvPr>
+        </p:nvSpPr>
+        <p:spPr/>
+        <p:txBody>
+          <a:bodyPr/>
+          <a:lstStyle/>
+          <a:p>
+            <a:r>
+              <a:rPr lang="en-US" dirty="0" smtClean="0"/>
+              <a:t>Additional features </a:t>
+            </a:r>
+          </a:p>
+          <a:p>
+            <a:pPr>
+              <a:buNone/>
+            </a:pPr>
+            <a:r>
+              <a:rPr lang="en-US" dirty="0" smtClean="0"/>
+              <a:t>	</a:t>
+            </a:r>
+            <a:r>
+              <a:rPr lang="en-US" sz="2400" dirty="0" smtClean="0"/>
+              <a:t>Barcode reading, reading multiple words separated vertically, etc. </a:t>
+            </a:r>
+          </a:p>
+          <a:p>
+            <a:r>
+              <a:rPr lang="en-US" dirty="0" smtClean="0"/>
+              <a:t>Hardware module </a:t>
+            </a:r>
+          </a:p>
+          <a:p>
+            <a:pPr>
+              <a:buNone/>
+            </a:pPr>
+            <a:r>
+              <a:rPr lang="en-US" dirty="0" smtClean="0"/>
+              <a:t>	</a:t>
+            </a:r>
+            <a:r>
+              <a:rPr lang="en-US" sz="2400" dirty="0" smtClean="0"/>
+              <a:t>Permanent low cost hardware module with camera casing mounted</a:t>
+            </a:r>
+          </a:p>
+          <a:p>
+            <a:r>
+              <a:rPr lang="en-US" dirty="0" smtClean="0"/>
+              <a:t>Adaptability</a:t>
+            </a:r>
+          </a:p>
+          <a:p>
+            <a:pPr>
+              <a:buNone/>
+            </a:pPr>
+            <a:r>
+              <a:rPr lang="en-US" sz="2400" dirty="0" smtClean="0"/>
+              <a:t>	System should adaptable to many and </a:t>
+            </a:r>
+            <a:r>
+              <a:rPr lang="en-US" sz="2400" smtClean="0"/>
+              <a:t>all conditions</a:t>
+            </a:r>
+            <a:endParaRPr lang="en-US" sz="2400" dirty="0"/>
+          </a:p>
+        </p:txBody>
+      </p:sp>
+    </p:spTree>
+  </p:cSld>
+  <p:clrMapOvr>
+    <a:masterClrMapping/>
+  </p:clrMapOvr>
+  <p:timing>
+    <p:tnLst>
+      <p:par>
+        <p:cTn id="1" dur="indefinite" restart="never" nodeType="tmRoot"/>
+      </p:par>
+    </p:tnLst>
+  </p:timing>
+</p:sld>
+</file>
+
+<file path=ppt/slides/slide16.xml><?xml version="1.0" encoding="utf-8"?>
+<p:sld xmlns:a="http://schemas.openxmlformats.org/drawingml/2006/main" xmlns:r="http://schemas.openxmlformats.org/officeDocument/2006/relationships" xmlns:p="http://schemas.openxmlformats.org/presentationml/2006/main">
+  <p:cSld>
+    <p:spTree>
+      <p:nvGrpSpPr>
+        <p:cNvPr id="1" name=""/>
+        <p:cNvGrpSpPr/>
+        <p:nvPr/>
+      </p:nvGrpSpPr>
+      <p:grpSpPr>
+        <a:xfrm>
+          <a:off x="0" y="0"/>
+          <a:ext cx="0" cy="0"/>
+          <a:chOff x="0" y="0"/>
+          <a:chExt cx="0" cy="0"/>
+        </a:xfrm>
+      </p:grpSpPr>
+      <p:sp>
+        <p:nvSpPr>
+          <p:cNvPr id="2" name="Title 1"/>
+          <p:cNvSpPr>
+            <a:spLocks noGrp="1"/>
+          </p:cNvSpPr>
+          <p:nvPr>
+            <p:ph type="title"/>
+          </p:nvPr>
+        </p:nvSpPr>
         <p:spPr>
           <a:xfrm>
             <a:off x="457200" y="2971800"/>
@@ -4088,12 +4212,8 @@
           <a:lstStyle/>
           <a:p>
             <a:r>
-              <a:rPr lang="en-US" b="1" dirty="0" smtClean="0"/>
-              <a:t>  </a:t>
-            </a:r>
-            <a:r>
               <a:rPr lang="en-US" dirty="0" smtClean="0"/>
-              <a:t>Problem Statement</a:t>
+              <a:t>Introduction</a:t>
             </a:r>
             <a:endParaRPr lang="en-US" dirty="0"/>
           </a:p>
@@ -4109,56 +4229,212 @@
             <p:ph idx="1"/>
           </p:nvPr>
         </p:nvSpPr>
-        <p:spPr/>
+        <p:spPr>
+          <a:xfrm>
+            <a:off x="152400" y="1219200"/>
+            <a:ext cx="8991600" cy="5334000"/>
+          </a:xfrm>
+        </p:spPr>
         <p:txBody>
           <a:bodyPr>
-            <a:normAutofit lnSpcReduction="10000"/>
+            <a:noAutofit/>
           </a:bodyPr>
           <a:lstStyle/>
           <a:p>
-            <a:pPr algn="just"/>
-            <a:r>
-              <a:rPr lang="en-IN" sz="2600" dirty="0" smtClean="0"/>
-              <a:t>The project addresses the issue of reduction in the rent losses (as well as product losses) by improving the efficiency of inventory management and tracking system.</a:t>
-            </a:r>
-          </a:p>
-          <a:p>
-            <a:pPr algn="just">
+            <a:pPr lvl="0"/>
+            <a:r>
+              <a:rPr lang="en-IN" sz="2000" dirty="0" smtClean="0"/>
+              <a:t>Labourers with poor literacy:		difficult </a:t>
+            </a:r>
+            <a:r>
+              <a:rPr lang="en-IN" sz="2000" dirty="0" smtClean="0"/>
+              <a:t>to read the </a:t>
+            </a:r>
+            <a:r>
+              <a:rPr lang="en-IN" sz="2000" dirty="0" smtClean="0"/>
+              <a:t>code</a:t>
+            </a:r>
+            <a:endParaRPr lang="en-US" sz="2000" dirty="0" smtClean="0"/>
+          </a:p>
+          <a:p>
+            <a:pPr lvl="0"/>
+            <a:r>
+              <a:rPr lang="en-IN" sz="2000" dirty="0" smtClean="0"/>
+              <a:t>Human entry errors: 			missing, duplicate, </a:t>
+            </a:r>
+            <a:r>
+              <a:rPr lang="en-IN" sz="2000" dirty="0" smtClean="0"/>
+              <a:t>incorrect sequence</a:t>
+            </a:r>
+            <a:endParaRPr lang="en-US" sz="2000" dirty="0" smtClean="0"/>
+          </a:p>
+          <a:p>
+            <a:pPr lvl="0"/>
+            <a:r>
+              <a:rPr lang="en-IN" sz="2000" dirty="0" smtClean="0"/>
+              <a:t>UID codes are noted on </a:t>
+            </a:r>
+            <a:r>
+              <a:rPr lang="en-IN" sz="2000" dirty="0" err="1" smtClean="0"/>
+              <a:t>challans</a:t>
+            </a:r>
+            <a:r>
+              <a:rPr lang="en-IN" sz="2000" dirty="0" smtClean="0"/>
+              <a:t>:	illegible for </a:t>
+            </a:r>
+            <a:r>
+              <a:rPr lang="en-IN" sz="2000" dirty="0" smtClean="0"/>
+              <a:t>data entry operator</a:t>
+            </a:r>
+            <a:endParaRPr lang="en-US" sz="2000" dirty="0" smtClean="0"/>
+          </a:p>
+          <a:p>
+            <a:pPr lvl="0"/>
+            <a:r>
+              <a:rPr lang="en-IN" sz="2000" dirty="0" smtClean="0"/>
+              <a:t>Less accessibility:			closely </a:t>
+            </a:r>
+            <a:r>
+              <a:rPr lang="en-IN" sz="2000" dirty="0" smtClean="0"/>
+              <a:t>packed array of cylinders</a:t>
+            </a:r>
+            <a:endParaRPr lang="en-US" sz="2000" dirty="0" smtClean="0"/>
+          </a:p>
+          <a:p>
+            <a:pPr lvl="0"/>
+            <a:r>
+              <a:rPr lang="en-IN" sz="2000" dirty="0" smtClean="0"/>
+              <a:t>Warehouses:				poorly </a:t>
+            </a:r>
+            <a:r>
+              <a:rPr lang="en-IN" sz="2000" dirty="0" smtClean="0"/>
+              <a:t>illuminated </a:t>
+            </a:r>
+            <a:r>
+              <a:rPr lang="en-IN" sz="2000" dirty="0" smtClean="0"/>
+              <a:t>areas</a:t>
+            </a:r>
+            <a:endParaRPr lang="en-US" sz="2000" dirty="0" smtClean="0"/>
+          </a:p>
+          <a:p>
+            <a:r>
+              <a:rPr lang="en-IN" sz="2000" dirty="0" smtClean="0"/>
+              <a:t>High </a:t>
+            </a:r>
+            <a:r>
+              <a:rPr lang="en-IN" sz="2000" dirty="0" smtClean="0"/>
+              <a:t>probability </a:t>
+            </a:r>
+            <a:r>
+              <a:rPr lang="en-IN" sz="2000" smtClean="0"/>
+              <a:t>: 	Data </a:t>
+            </a:r>
+            <a:r>
+              <a:rPr lang="en-IN" sz="2000" dirty="0" smtClean="0"/>
+              <a:t>entry operator receives wrong </a:t>
+            </a:r>
+            <a:r>
+              <a:rPr lang="en-IN" sz="2000" dirty="0" smtClean="0"/>
+              <a:t>UID codes </a:t>
+            </a:r>
+            <a:endParaRPr lang="en-IN" sz="2000" dirty="0" smtClean="0"/>
+          </a:p>
+          <a:p>
+            <a:pPr>
               <a:buNone/>
             </a:pPr>
-            <a:endParaRPr lang="en-IN" sz="2600" dirty="0" smtClean="0"/>
-          </a:p>
-          <a:p>
-            <a:pPr algn="just"/>
-            <a:r>
-              <a:rPr lang="en-IN" sz="2800" dirty="0" smtClean="0"/>
-              <a:t>Aims at providing an ease for all the steps involved</a:t>
-            </a:r>
-          </a:p>
-          <a:p>
-            <a:pPr algn="just">
-              <a:buNone/>
-            </a:pPr>
-            <a:endParaRPr lang="en-IN" sz="2800" dirty="0" smtClean="0"/>
-          </a:p>
-          <a:p>
-            <a:pPr algn="just"/>
-            <a:r>
-              <a:rPr lang="en-IN" sz="2600" dirty="0" smtClean="0"/>
-              <a:t>Friendly GUI, Database testing, Correction, etc.   </a:t>
-            </a:r>
-          </a:p>
-          <a:p>
-            <a:pPr algn="just"/>
-            <a:endParaRPr lang="en-IN" sz="2600" dirty="0" smtClean="0"/>
-          </a:p>
-          <a:p>
-            <a:pPr algn="just"/>
-            <a:r>
-              <a:rPr lang="en-IN" sz="2600" dirty="0" smtClean="0"/>
-              <a:t>Developing the semi-autonomous system to be compatible with the existing  system</a:t>
-            </a:r>
-            <a:endParaRPr lang="en-US" sz="2600" dirty="0"/>
+            <a:r>
+              <a:rPr lang="en-IN" sz="2000" dirty="0" smtClean="0"/>
+              <a:t>				&amp; hence, enters </a:t>
+            </a:r>
+            <a:r>
+              <a:rPr lang="en-IN" sz="2000" dirty="0" smtClean="0"/>
+              <a:t>faulty </a:t>
+            </a:r>
+            <a:r>
+              <a:rPr lang="en-IN" sz="2000" dirty="0" smtClean="0"/>
+              <a:t>data in </a:t>
+            </a:r>
+            <a:r>
+              <a:rPr lang="en-IN" sz="2000" dirty="0" smtClean="0"/>
+              <a:t>cylinder inventory software </a:t>
+            </a:r>
+            <a:endParaRPr lang="en-US" sz="2000" dirty="0" smtClean="0"/>
+          </a:p>
+          <a:p>
+            <a:pPr lvl="0"/>
+            <a:endParaRPr lang="en-US" sz="2000" dirty="0" smtClean="0"/>
+          </a:p>
+          <a:p>
+            <a:pPr lvl="0"/>
+            <a:r>
+              <a:rPr lang="en-US" sz="2000" dirty="0" smtClean="0"/>
+              <a:t>Problems:-</a:t>
+            </a:r>
+          </a:p>
+          <a:p>
+            <a:pPr lvl="0"/>
+            <a:r>
+              <a:rPr lang="en-IN" sz="2000" dirty="0" smtClean="0"/>
+              <a:t>Error </a:t>
+            </a:r>
+            <a:r>
+              <a:rPr lang="en-IN" sz="2000" dirty="0" smtClean="0"/>
+              <a:t>in cylinder tracking and maintenance</a:t>
+            </a:r>
+            <a:endParaRPr lang="en-US" sz="2000" dirty="0" smtClean="0"/>
+          </a:p>
+          <a:p>
+            <a:pPr lvl="0"/>
+            <a:r>
+              <a:rPr lang="en-IN" sz="2000" dirty="0" smtClean="0"/>
+              <a:t>Safety regulations: hydro-test </a:t>
+            </a:r>
+            <a:r>
+              <a:rPr lang="en-IN" sz="2000" dirty="0" smtClean="0"/>
+              <a:t>and explosive test after specified period of time. W</a:t>
+            </a:r>
+            <a:r>
+              <a:rPr lang="en-IN" sz="2000" dirty="0" smtClean="0"/>
+              <a:t>rong entry-&gt; Cylinder can’t </a:t>
+            </a:r>
+            <a:r>
+              <a:rPr lang="en-IN" sz="2000" dirty="0" smtClean="0"/>
+              <a:t>be </a:t>
+            </a:r>
+            <a:r>
+              <a:rPr lang="en-IN" sz="2000" dirty="0" smtClean="0"/>
+              <a:t>tracked, this may cause hazardous </a:t>
+            </a:r>
+            <a:r>
+              <a:rPr lang="en-IN" sz="2000" dirty="0" smtClean="0"/>
+              <a:t>consequences.</a:t>
+            </a:r>
+            <a:endParaRPr lang="en-US" sz="2000" dirty="0" smtClean="0"/>
+          </a:p>
+          <a:p>
+            <a:pPr lvl="0"/>
+            <a:r>
+              <a:rPr lang="en-IN" sz="2000" dirty="0" smtClean="0"/>
+              <a:t>Cylinders </a:t>
+            </a:r>
+            <a:r>
+              <a:rPr lang="en-IN" sz="2000" dirty="0" smtClean="0"/>
+              <a:t>are used on rent basis. Wrong data results in error in rent calculation.</a:t>
+            </a:r>
+            <a:endParaRPr lang="en-US" sz="2000" dirty="0" smtClean="0"/>
+          </a:p>
+          <a:p>
+            <a:pPr lvl="0"/>
+            <a:r>
+              <a:rPr lang="en-IN" sz="2000" dirty="0" smtClean="0"/>
+              <a:t>Some cylinders are lost in this process and the owner has to bear the </a:t>
+            </a:r>
+            <a:r>
+              <a:rPr lang="en-IN" sz="2000" dirty="0" smtClean="0"/>
+              <a:t>losses</a:t>
+            </a:r>
+            <a:endParaRPr lang="en-US" sz="2000" dirty="0"/>
           </a:p>
         </p:txBody>
       </p:sp>
@@ -4167,13 +4443,6 @@
   <p:clrMapOvr>
     <a:masterClrMapping/>
   </p:clrMapOvr>
-  <p:timing>
-    <p:tnLst>
-      <p:par>
-        <p:cTn id="1" dur="indefinite" restart="never" nodeType="tmRoot"/>
-      </p:par>
-    </p:tnLst>
-  </p:timing>
 </p:sld>
 </file>
 
@@ -4210,8 +4479,12 @@
           <a:lstStyle/>
           <a:p>
             <a:r>
+              <a:rPr lang="en-US" b="1" dirty="0" smtClean="0"/>
+              <a:t>  </a:t>
+            </a:r>
+            <a:r>
               <a:rPr lang="en-US" dirty="0" smtClean="0"/>
-              <a:t>Task Specifications</a:t>
+              <a:t>Problem Statement</a:t>
             </a:r>
             <a:endParaRPr lang="en-US" dirty="0"/>
           </a:p>
@@ -4227,95 +4500,56 @@
             <p:ph idx="1"/>
           </p:nvPr>
         </p:nvSpPr>
-        <p:spPr>
-          <a:xfrm>
-            <a:off x="228600" y="1600200"/>
-            <a:ext cx="8686800" cy="4525963"/>
-          </a:xfrm>
-        </p:spPr>
+        <p:spPr/>
         <p:txBody>
           <a:bodyPr>
-            <a:normAutofit fontScale="92500" lnSpcReduction="10000"/>
+            <a:normAutofit lnSpcReduction="10000"/>
           </a:bodyPr>
           <a:lstStyle/>
           <a:p>
-            <a:r>
-              <a:rPr lang="en-US" sz="2800" dirty="0" smtClean="0"/>
-              <a:t>Image </a:t>
-            </a:r>
-            <a:r>
-              <a:rPr lang="en-US" sz="2800" dirty="0" err="1" smtClean="0"/>
-              <a:t>thresholding</a:t>
-            </a:r>
-            <a:r>
-              <a:rPr lang="en-US" sz="2800" dirty="0" smtClean="0"/>
-              <a:t>, particle filter</a:t>
-            </a:r>
-          </a:p>
-          <a:p>
-            <a:r>
-              <a:rPr lang="en-US" sz="2800" dirty="0" smtClean="0"/>
-              <a:t>White text on black background detection and vice versa</a:t>
-            </a:r>
-          </a:p>
-          <a:p>
-            <a:r>
-              <a:rPr lang="en-US" sz="2800" dirty="0" smtClean="0"/>
-              <a:t>Calculating character tilt dynamically</a:t>
-            </a:r>
-          </a:p>
-          <a:p>
-            <a:r>
-              <a:rPr lang="en-US" sz="2800" dirty="0" smtClean="0"/>
-              <a:t>Dynamic ROI Calculation and Image segmentation</a:t>
-            </a:r>
-          </a:p>
-          <a:p>
-            <a:r>
-              <a:rPr lang="en-US" sz="2800" dirty="0" smtClean="0"/>
-              <a:t>Character set training and OCR</a:t>
-            </a:r>
-          </a:p>
-          <a:p>
-            <a:r>
-              <a:rPr lang="en-US" sz="2800" dirty="0" smtClean="0"/>
-              <a:t>Wireless communication range 80-100m</a:t>
-            </a:r>
-          </a:p>
-          <a:p>
-            <a:r>
-              <a:rPr lang="en-US" sz="2800" dirty="0" smtClean="0"/>
-              <a:t>Database reading</a:t>
-            </a:r>
-          </a:p>
-          <a:p>
-            <a:r>
-              <a:rPr lang="en-US" sz="2800" dirty="0" smtClean="0"/>
-              <a:t>Most probable database-lookup correction</a:t>
-            </a:r>
-          </a:p>
-          <a:p>
-            <a:r>
-              <a:rPr lang="en-US" sz="2800" dirty="0" smtClean="0"/>
-              <a:t>Camera interfacing (wired and wireless) drivers</a:t>
-            </a:r>
-          </a:p>
-          <a:p>
-            <a:r>
-              <a:rPr lang="en-US" sz="2800" dirty="0" smtClean="0"/>
-              <a:t>Hardware UART, </a:t>
-            </a:r>
-            <a:r>
-              <a:rPr lang="en-US" sz="2800" dirty="0" err="1" smtClean="0"/>
-              <a:t>Zigbee</a:t>
-            </a:r>
-            <a:r>
-              <a:rPr lang="en-US" sz="2800" dirty="0" smtClean="0"/>
-              <a:t>, LCD coding</a:t>
-            </a:r>
-          </a:p>
-          <a:p>
-            <a:endParaRPr lang="en-US" sz="2800" dirty="0"/>
+            <a:pPr algn="just"/>
+            <a:r>
+              <a:rPr lang="en-IN" sz="2600" dirty="0" smtClean="0"/>
+              <a:t>The project addresses the issue of reduction in the rent losses (as well as product losses) by improving the efficiency of inventory management and tracking system.</a:t>
+            </a:r>
+          </a:p>
+          <a:p>
+            <a:pPr algn="just">
+              <a:buNone/>
+            </a:pPr>
+            <a:endParaRPr lang="en-IN" sz="2600" dirty="0" smtClean="0"/>
+          </a:p>
+          <a:p>
+            <a:pPr algn="just"/>
+            <a:r>
+              <a:rPr lang="en-IN" sz="2800" dirty="0" smtClean="0"/>
+              <a:t>Aims at providing an ease for all the steps involved</a:t>
+            </a:r>
+          </a:p>
+          <a:p>
+            <a:pPr algn="just">
+              <a:buNone/>
+            </a:pPr>
+            <a:endParaRPr lang="en-IN" sz="2800" dirty="0" smtClean="0"/>
+          </a:p>
+          <a:p>
+            <a:pPr algn="just"/>
+            <a:r>
+              <a:rPr lang="en-IN" sz="2600" dirty="0" smtClean="0"/>
+              <a:t>Friendly GUI, Database testing, Correction, etc.   </a:t>
+            </a:r>
+          </a:p>
+          <a:p>
+            <a:pPr algn="just"/>
+            <a:endParaRPr lang="en-IN" sz="2600" dirty="0" smtClean="0"/>
+          </a:p>
+          <a:p>
+            <a:pPr algn="just"/>
+            <a:r>
+              <a:rPr lang="en-IN" sz="2600" dirty="0" smtClean="0"/>
+              <a:t>Developing the semi-autonomous system to be compatible with the existing  system</a:t>
+            </a:r>
+            <a:endParaRPr lang="en-US" sz="2600" dirty="0"/>
           </a:p>
         </p:txBody>
       </p:sp>
@@ -4368,7 +4602,7 @@
           <a:p>
             <a:r>
               <a:rPr lang="en-US" dirty="0" smtClean="0"/>
-              <a:t>Project Plan</a:t>
+              <a:t>Task Specifications</a:t>
             </a:r>
             <a:endParaRPr lang="en-US" dirty="0"/>
           </a:p>
@@ -4384,42 +4618,95 @@
             <p:ph idx="1"/>
           </p:nvPr>
         </p:nvSpPr>
-        <p:spPr/>
-        <p:txBody>
-          <a:bodyPr/>
-          <a:lstStyle/>
-          <a:p>
-            <a:r>
-              <a:rPr lang="en-US" dirty="0" smtClean="0"/>
-              <a:t>Phase I : Learning of </a:t>
-            </a:r>
-            <a:r>
-              <a:rPr lang="en-US" dirty="0" err="1" smtClean="0"/>
-              <a:t>LabVIEW</a:t>
-            </a:r>
-            <a:r>
-              <a:rPr lang="en-US" dirty="0" smtClean="0"/>
-              <a:t> and hardware</a:t>
-            </a:r>
-          </a:p>
-          <a:p>
-            <a:r>
-              <a:rPr lang="en-US" dirty="0" smtClean="0"/>
-              <a:t>Phase II : Implementing the system with wireless camera</a:t>
-            </a:r>
-          </a:p>
-          <a:p>
-            <a:r>
-              <a:rPr lang="en-US" dirty="0" smtClean="0"/>
-              <a:t>Phase III : Implementing the system with wired camera </a:t>
-            </a:r>
-          </a:p>
-          <a:p>
-            <a:r>
-              <a:rPr lang="en-US" dirty="0" smtClean="0"/>
-              <a:t>Phase IV : Final GUI, small but important changes in the system</a:t>
-            </a:r>
-            <a:endParaRPr lang="en-US" dirty="0"/>
+        <p:spPr>
+          <a:xfrm>
+            <a:off x="228600" y="1600200"/>
+            <a:ext cx="8686800" cy="4525963"/>
+          </a:xfrm>
+        </p:spPr>
+        <p:txBody>
+          <a:bodyPr>
+            <a:normAutofit fontScale="92500" lnSpcReduction="10000"/>
+          </a:bodyPr>
+          <a:lstStyle/>
+          <a:p>
+            <a:r>
+              <a:rPr lang="en-US" sz="2800" dirty="0" smtClean="0"/>
+              <a:t>Image </a:t>
+            </a:r>
+            <a:r>
+              <a:rPr lang="en-US" sz="2800" dirty="0" err="1" smtClean="0"/>
+              <a:t>thresholding</a:t>
+            </a:r>
+            <a:r>
+              <a:rPr lang="en-US" sz="2800" dirty="0" smtClean="0"/>
+              <a:t>, particle filter</a:t>
+            </a:r>
+          </a:p>
+          <a:p>
+            <a:r>
+              <a:rPr lang="en-US" sz="2800" dirty="0" smtClean="0"/>
+              <a:t>White text on black background detection and vice versa</a:t>
+            </a:r>
+          </a:p>
+          <a:p>
+            <a:r>
+              <a:rPr lang="en-US" sz="2800" dirty="0" smtClean="0"/>
+              <a:t>Calculating character tilt dynamically</a:t>
+            </a:r>
+          </a:p>
+          <a:p>
+            <a:r>
+              <a:rPr lang="en-US" sz="2800" dirty="0" smtClean="0"/>
+              <a:t>Dynamic ROI Calculation and Image segmentation</a:t>
+            </a:r>
+          </a:p>
+          <a:p>
+            <a:r>
+              <a:rPr lang="en-US" sz="2800" dirty="0" smtClean="0"/>
+              <a:t>Character set training and OCR</a:t>
+            </a:r>
+          </a:p>
+          <a:p>
+            <a:r>
+              <a:rPr lang="en-US" sz="2800" dirty="0" smtClean="0"/>
+              <a:t>Wireless communication range 80-100m</a:t>
+            </a:r>
+          </a:p>
+          <a:p>
+            <a:r>
+              <a:rPr lang="en-US" sz="2800" dirty="0" smtClean="0"/>
+              <a:t>Database reading</a:t>
+            </a:r>
+          </a:p>
+          <a:p>
+            <a:r>
+              <a:rPr lang="en-US" sz="2800" dirty="0" smtClean="0"/>
+              <a:t>Most probable database-lookup correction</a:t>
+            </a:r>
+          </a:p>
+          <a:p>
+            <a:r>
+              <a:rPr lang="en-US" sz="2800" dirty="0" smtClean="0"/>
+              <a:t>Camera interfacing (wired and wireless) drivers</a:t>
+            </a:r>
+          </a:p>
+          <a:p>
+            <a:r>
+              <a:rPr lang="en-US" sz="2800" dirty="0" smtClean="0"/>
+              <a:t>Hardware UART, </a:t>
+            </a:r>
+            <a:r>
+              <a:rPr lang="en-US" sz="2800" dirty="0" err="1" smtClean="0"/>
+              <a:t>Zigbee</a:t>
+            </a:r>
+            <a:r>
+              <a:rPr lang="en-US" sz="2800" dirty="0" smtClean="0"/>
+              <a:t>, LCD coding</a:t>
+            </a:r>
+          </a:p>
+          <a:p>
+            <a:endParaRPr lang="en-US" sz="2800" dirty="0"/>
           </a:p>
         </p:txBody>
       </p:sp>
@@ -4439,6 +4726,110 @@
 </file>
 
 <file path=ppt/slides/slide5.xml><?xml version="1.0" encoding="utf-8"?>
+<p:sld xmlns:a="http://schemas.openxmlformats.org/drawingml/2006/main" xmlns:r="http://schemas.openxmlformats.org/officeDocument/2006/relationships" xmlns:p="http://schemas.openxmlformats.org/presentationml/2006/main">
+  <p:cSld>
+    <p:spTree>
+      <p:nvGrpSpPr>
+        <p:cNvPr id="1" name=""/>
+        <p:cNvGrpSpPr/>
+        <p:nvPr/>
+      </p:nvGrpSpPr>
+      <p:grpSpPr>
+        <a:xfrm>
+          <a:off x="0" y="0"/>
+          <a:ext cx="0" cy="0"/>
+          <a:chOff x="0" y="0"/>
+          <a:chExt cx="0" cy="0"/>
+        </a:xfrm>
+      </p:grpSpPr>
+      <p:sp>
+        <p:nvSpPr>
+          <p:cNvPr id="2" name="Title 1"/>
+          <p:cNvSpPr>
+            <a:spLocks noGrp="1"/>
+          </p:cNvSpPr>
+          <p:nvPr>
+            <p:ph type="title"/>
+          </p:nvPr>
+        </p:nvSpPr>
+        <p:spPr/>
+        <p:txBody>
+          <a:bodyPr/>
+          <a:lstStyle/>
+          <a:p>
+            <a:r>
+              <a:rPr lang="en-US" dirty="0" smtClean="0"/>
+              <a:t>Project Plan</a:t>
+            </a:r>
+            <a:endParaRPr lang="en-US" dirty="0"/>
+          </a:p>
+        </p:txBody>
+      </p:sp>
+      <p:sp>
+        <p:nvSpPr>
+          <p:cNvPr id="3" name="Content Placeholder 2"/>
+          <p:cNvSpPr>
+            <a:spLocks noGrp="1"/>
+          </p:cNvSpPr>
+          <p:nvPr>
+            <p:ph idx="1"/>
+          </p:nvPr>
+        </p:nvSpPr>
+        <p:spPr/>
+        <p:txBody>
+          <a:bodyPr/>
+          <a:lstStyle/>
+          <a:p>
+            <a:r>
+              <a:rPr lang="en-US" dirty="0" smtClean="0"/>
+              <a:t>Phase I : Learning of </a:t>
+            </a:r>
+            <a:r>
+              <a:rPr lang="en-US" dirty="0" err="1" smtClean="0"/>
+              <a:t>LabVIEW</a:t>
+            </a:r>
+            <a:r>
+              <a:rPr lang="en-US" dirty="0" smtClean="0"/>
+              <a:t> and hardware</a:t>
+            </a:r>
+          </a:p>
+          <a:p>
+            <a:r>
+              <a:rPr lang="en-US" dirty="0" smtClean="0"/>
+              <a:t>Phase II : Implementing the system with wireless camera</a:t>
+            </a:r>
+          </a:p>
+          <a:p>
+            <a:r>
+              <a:rPr lang="en-US" dirty="0" smtClean="0"/>
+              <a:t>Phase III : Implementing the system with wired camera </a:t>
+            </a:r>
+          </a:p>
+          <a:p>
+            <a:r>
+              <a:rPr lang="en-US" dirty="0" smtClean="0"/>
+              <a:t>Phase IV : Final GUI, small but important changes in the system</a:t>
+            </a:r>
+            <a:endParaRPr lang="en-US" dirty="0"/>
+          </a:p>
+        </p:txBody>
+      </p:sp>
+    </p:spTree>
+  </p:cSld>
+  <p:clrMapOvr>
+    <a:masterClrMapping/>
+  </p:clrMapOvr>
+  <p:timing>
+    <p:tnLst>
+      <p:par>
+        <p:cTn id="1" dur="indefinite" restart="never" nodeType="tmRoot"/>
+      </p:par>
+    </p:tnLst>
+  </p:timing>
+</p:sld>
+</file>
+
+<file path=ppt/slides/slide6.xml><?xml version="1.0" encoding="utf-8"?>
 <p:sld xmlns:a="http://schemas.openxmlformats.org/drawingml/2006/main" xmlns:r="http://schemas.openxmlformats.org/officeDocument/2006/relationships" xmlns:p="http://schemas.openxmlformats.org/presentationml/2006/main">
   <p:cSld>
     <p:spTree>
@@ -5584,159 +5975,6 @@
 </p:sld>
 </file>
 
-<file path=ppt/slides/slide6.xml><?xml version="1.0" encoding="utf-8"?>
-<p:sld xmlns:a="http://schemas.openxmlformats.org/drawingml/2006/main" xmlns:r="http://schemas.openxmlformats.org/officeDocument/2006/relationships" xmlns:p="http://schemas.openxmlformats.org/presentationml/2006/main">
-  <p:cSld>
-    <p:spTree>
-      <p:nvGrpSpPr>
-        <p:cNvPr id="1" name=""/>
-        <p:cNvGrpSpPr/>
-        <p:nvPr/>
-      </p:nvGrpSpPr>
-      <p:grpSpPr>
-        <a:xfrm>
-          <a:off x="0" y="0"/>
-          <a:ext cx="0" cy="0"/>
-          <a:chOff x="0" y="0"/>
-          <a:chExt cx="0" cy="0"/>
-        </a:xfrm>
-      </p:grpSpPr>
-      <p:sp>
-        <p:nvSpPr>
-          <p:cNvPr id="2" name="Title 1"/>
-          <p:cNvSpPr>
-            <a:spLocks noGrp="1"/>
-          </p:cNvSpPr>
-          <p:nvPr>
-            <p:ph type="title"/>
-          </p:nvPr>
-        </p:nvSpPr>
-        <p:spPr/>
-        <p:txBody>
-          <a:bodyPr/>
-          <a:lstStyle/>
-          <a:p>
-            <a:r>
-              <a:rPr lang="en-US" dirty="0" smtClean="0"/>
-              <a:t>Workflow of the system (</a:t>
-            </a:r>
-            <a:r>
-              <a:rPr lang="en-US" dirty="0" err="1" smtClean="0"/>
-              <a:t>cotd</a:t>
-            </a:r>
-            <a:r>
-              <a:rPr lang="en-US" dirty="0" smtClean="0"/>
-              <a:t>.)</a:t>
-            </a:r>
-            <a:endParaRPr lang="en-US" dirty="0"/>
-          </a:p>
-        </p:txBody>
-      </p:sp>
-      <p:sp>
-        <p:nvSpPr>
-          <p:cNvPr id="3" name="Content Placeholder 2"/>
-          <p:cNvSpPr>
-            <a:spLocks noGrp="1"/>
-          </p:cNvSpPr>
-          <p:nvPr>
-            <p:ph idx="1"/>
-          </p:nvPr>
-        </p:nvSpPr>
-        <p:spPr/>
-        <p:txBody>
-          <a:bodyPr>
-            <a:normAutofit fontScale="92500" lnSpcReduction="20000"/>
-          </a:bodyPr>
-          <a:lstStyle/>
-          <a:p>
-            <a:pPr marL="457200" indent="-457200">
-              <a:buFont typeface="+mj-lt"/>
-              <a:buAutoNum type="arabicPeriod"/>
-            </a:pPr>
-            <a:r>
-              <a:rPr lang="en-IN" dirty="0" smtClean="0"/>
-              <a:t>Initial configuration: VI </a:t>
-            </a:r>
-            <a:r>
-              <a:rPr lang="en-IN" dirty="0" err="1" smtClean="0"/>
-              <a:t>starts,selecting</a:t>
-            </a:r>
-            <a:r>
-              <a:rPr lang="en-IN" dirty="0" smtClean="0"/>
-              <a:t> COM port, camera be configured, set up baud rate, optional manual crop, etc.</a:t>
-            </a:r>
-          </a:p>
-          <a:p>
-            <a:pPr marL="457200" indent="-457200">
-              <a:buFont typeface="+mj-lt"/>
-              <a:buAutoNum type="arabicPeriod"/>
-            </a:pPr>
-            <a:r>
-              <a:rPr lang="en-IN" dirty="0" smtClean="0"/>
-              <a:t>Placing the camera and switching the device on</a:t>
-            </a:r>
-          </a:p>
-          <a:p>
-            <a:pPr marL="457200" indent="-457200">
-              <a:buFont typeface="+mj-lt"/>
-              <a:buAutoNum type="arabicPeriod"/>
-            </a:pPr>
-            <a:r>
-              <a:rPr lang="en-IN" dirty="0" smtClean="0"/>
-              <a:t>Captured image is processed and appropriate signalling is shown to the manual operator to capture next image</a:t>
-            </a:r>
-          </a:p>
-          <a:p>
-            <a:pPr marL="457200" indent="-457200">
-              <a:buFont typeface="+mj-lt"/>
-              <a:buAutoNum type="arabicPeriod"/>
-            </a:pPr>
-            <a:r>
-              <a:rPr lang="en-IN" dirty="0" smtClean="0"/>
-              <a:t>Database related processes are completed</a:t>
-            </a:r>
-          </a:p>
-          <a:p>
-            <a:pPr marL="457200" indent="-457200">
-              <a:buFont typeface="+mj-lt"/>
-              <a:buAutoNum type="arabicPeriod"/>
-            </a:pPr>
-            <a:r>
-              <a:rPr lang="en-IN" dirty="0" smtClean="0"/>
-              <a:t>Signalling to the user if necessary</a:t>
-            </a:r>
-          </a:p>
-          <a:p>
-            <a:pPr marL="457200" indent="-457200">
-              <a:buFont typeface="+mj-lt"/>
-              <a:buAutoNum type="arabicPeriod"/>
-            </a:pPr>
-            <a:r>
-              <a:rPr lang="en-IN" dirty="0" smtClean="0"/>
-              <a:t>Go to step 2</a:t>
-            </a:r>
-            <a:endParaRPr lang="en-US" dirty="0" smtClean="0"/>
-          </a:p>
-          <a:p>
-            <a:endParaRPr lang="en-US" dirty="0"/>
-          </a:p>
-        </p:txBody>
-      </p:sp>
-    </p:spTree>
-  </p:cSld>
-  <p:clrMapOvr>
-    <a:masterClrMapping/>
-  </p:clrMapOvr>
-  <p:timing>
-    <p:tnLst>
-      <p:par>
-        <p:cTn id="1" dur="indefinite" restart="never" nodeType="tmRoot"/>
-      </p:par>
-    </p:tnLst>
-  </p:timing>
-</p:sld>
-</file>
-
 <file path=ppt/slides/slide7.xml><?xml version="1.0" encoding="utf-8"?>
 <p:sld xmlns:a="http://schemas.openxmlformats.org/drawingml/2006/main" xmlns:r="http://schemas.openxmlformats.org/officeDocument/2006/relationships" xmlns:p="http://schemas.openxmlformats.org/presentationml/2006/main">
   <p:cSld>
@@ -5771,7 +6009,15 @@
           <a:p>
             <a:r>
               <a:rPr lang="en-US" dirty="0" smtClean="0"/>
-              <a:t>Innovations and challenges</a:t>
+              <a:t>Workflow of the system (</a:t>
+            </a:r>
+            <a:r>
+              <a:rPr lang="en-US" dirty="0" err="1" smtClean="0"/>
+              <a:t>cotd</a:t>
+            </a:r>
+            <a:r>
+              <a:rPr lang="en-US" dirty="0" smtClean="0"/>
+              <a:t>.)</a:t>
             </a:r>
             <a:endParaRPr lang="en-US" dirty="0"/>
           </a:p>
@@ -5790,60 +6036,79 @@
         <p:spPr/>
         <p:txBody>
           <a:bodyPr>
-            <a:normAutofit fontScale="92500" lnSpcReduction="10000"/>
+            <a:normAutofit fontScale="92500" lnSpcReduction="20000"/>
           </a:bodyPr>
           <a:lstStyle/>
           <a:p>
-            <a:r>
-              <a:rPr lang="en-US" dirty="0" smtClean="0"/>
-              <a:t>Shifting from </a:t>
-            </a:r>
-            <a:r>
-              <a:rPr lang="en-US" dirty="0" err="1" smtClean="0"/>
-              <a:t>Matlab</a:t>
-            </a:r>
-            <a:r>
-              <a:rPr lang="en-US" dirty="0" smtClean="0"/>
-              <a:t> to </a:t>
-            </a:r>
-            <a:r>
-              <a:rPr lang="en-US" dirty="0" err="1" smtClean="0"/>
-              <a:t>LabVIEW</a:t>
-            </a:r>
-            <a:r>
-              <a:rPr lang="en-US" dirty="0" smtClean="0"/>
-              <a:t> after developing few codes</a:t>
-            </a:r>
-          </a:p>
-          <a:p>
-            <a:r>
-              <a:rPr lang="en-US" dirty="0" smtClean="0"/>
-              <a:t>Writing camera drivers which are not supported on Windows 7</a:t>
-            </a:r>
-          </a:p>
-          <a:p>
-            <a:r>
-              <a:rPr lang="en-US" dirty="0" smtClean="0"/>
-              <a:t>Pixel to length (cm) calibrations</a:t>
-            </a:r>
-          </a:p>
-          <a:p>
-            <a:r>
-              <a:rPr lang="en-US" dirty="0" smtClean="0"/>
-              <a:t>Removing external illumination and providing diffused illumination</a:t>
-            </a:r>
-          </a:p>
-          <a:p>
-            <a:r>
-              <a:rPr lang="en-US" dirty="0" smtClean="0"/>
-              <a:t>Dynamic ROI calculation</a:t>
-            </a:r>
-          </a:p>
-          <a:p>
-            <a:r>
-              <a:rPr lang="en-US" dirty="0" smtClean="0"/>
-              <a:t>Dynamic tilt calculation</a:t>
-            </a:r>
+            <a:pPr marL="457200" indent="-457200">
+              <a:buFont typeface="+mj-lt"/>
+              <a:buAutoNum type="arabicPeriod"/>
+            </a:pPr>
+            <a:r>
+              <a:rPr lang="en-IN" dirty="0" smtClean="0"/>
+              <a:t>Initial configuration: VI </a:t>
+            </a:r>
+            <a:r>
+              <a:rPr lang="en-IN" dirty="0" err="1" smtClean="0"/>
+              <a:t>starts,selecting</a:t>
+            </a:r>
+            <a:r>
+              <a:rPr lang="en-IN" dirty="0" smtClean="0"/>
+              <a:t> COM port, camera be configured, set up baud rate, optional manual crop, etc.</a:t>
+            </a:r>
+          </a:p>
+          <a:p>
+            <a:pPr marL="457200" indent="-457200">
+              <a:buFont typeface="+mj-lt"/>
+              <a:buAutoNum type="arabicPeriod"/>
+            </a:pPr>
+            <a:r>
+              <a:rPr lang="en-IN" dirty="0" smtClean="0"/>
+              <a:t>Placing the camera and switching the device on</a:t>
+            </a:r>
+          </a:p>
+          <a:p>
+            <a:pPr marL="457200" indent="-457200">
+              <a:buFont typeface="+mj-lt"/>
+              <a:buAutoNum type="arabicPeriod"/>
+            </a:pPr>
+            <a:r>
+              <a:rPr lang="en-IN" dirty="0" smtClean="0"/>
+              <a:t>Captured image is processed and appropriate signalling is shown to the manual operator to capture next image</a:t>
+            </a:r>
+          </a:p>
+          <a:p>
+            <a:pPr marL="457200" indent="-457200">
+              <a:buFont typeface="+mj-lt"/>
+              <a:buAutoNum type="arabicPeriod"/>
+            </a:pPr>
+            <a:r>
+              <a:rPr lang="en-IN" dirty="0" smtClean="0"/>
+              <a:t>Database related processes are completed</a:t>
+            </a:r>
+          </a:p>
+          <a:p>
+            <a:pPr marL="457200" indent="-457200">
+              <a:buFont typeface="+mj-lt"/>
+              <a:buAutoNum type="arabicPeriod"/>
+            </a:pPr>
+            <a:r>
+              <a:rPr lang="en-IN" dirty="0" smtClean="0"/>
+              <a:t>Signalling to the user if necessary</a:t>
+            </a:r>
+          </a:p>
+          <a:p>
+            <a:pPr marL="457200" indent="-457200">
+              <a:buFont typeface="+mj-lt"/>
+              <a:buAutoNum type="arabicPeriod"/>
+            </a:pPr>
+            <a:r>
+              <a:rPr lang="en-IN" dirty="0" smtClean="0"/>
+              <a:t>Go to step 2</a:t>
+            </a:r>
+            <a:endParaRPr lang="en-US" dirty="0" smtClean="0"/>
+          </a:p>
+          <a:p>
             <a:endParaRPr lang="en-US" dirty="0"/>
           </a:p>
         </p:txBody>
@@ -5897,7 +6162,7 @@
           <a:p>
             <a:r>
               <a:rPr lang="en-US" dirty="0" smtClean="0"/>
-              <a:t>Tasks completed</a:t>
+              <a:t>Innovations and challenges</a:t>
             </a:r>
             <a:endParaRPr lang="en-US" dirty="0"/>
           </a:p>
@@ -5915,102 +6180,62 @@
         </p:nvSpPr>
         <p:spPr/>
         <p:txBody>
-          <a:bodyPr/>
+          <a:bodyPr>
+            <a:normAutofit fontScale="92500" lnSpcReduction="10000"/>
+          </a:bodyPr>
           <a:lstStyle/>
           <a:p>
             <a:r>
               <a:rPr lang="en-US" dirty="0" smtClean="0"/>
-              <a:t>Camera interfacing</a:t>
-            </a:r>
-          </a:p>
-          <a:p>
-            <a:pPr>
-              <a:buNone/>
-            </a:pPr>
-            <a:r>
-              <a:rPr lang="en-US" sz="2400" dirty="0" smtClean="0"/>
-              <a:t>Problem : Both cameras not compatible with windows 7</a:t>
-            </a:r>
-          </a:p>
-          <a:p>
-            <a:pPr>
-              <a:buNone/>
-            </a:pPr>
-            <a:r>
-              <a:rPr lang="en-US" sz="2400" dirty="0" smtClean="0"/>
-              <a:t>Solution : Wireless camera </a:t>
-            </a:r>
-            <a:r>
-              <a:rPr lang="en-US" sz="2400" dirty="0" smtClean="0">
-                <a:sym typeface="Wingdings" pitchFamily="2" charset="2"/>
-              </a:rPr>
-              <a:t> Using “</a:t>
-            </a:r>
-            <a:r>
-              <a:rPr lang="en-US" sz="2400" dirty="0" err="1" smtClean="0">
-                <a:sym typeface="Wingdings" pitchFamily="2" charset="2"/>
-              </a:rPr>
-              <a:t>exescript</a:t>
-            </a:r>
-            <a:r>
-              <a:rPr lang="en-US" sz="2400" dirty="0" smtClean="0">
-                <a:sym typeface="Wingdings" pitchFamily="2" charset="2"/>
-              </a:rPr>
-              <a:t>”, screenshot and crop</a:t>
-            </a:r>
-          </a:p>
-          <a:p>
-            <a:pPr>
-              <a:buNone/>
-            </a:pPr>
-            <a:r>
-              <a:rPr lang="en-US" sz="2400" dirty="0" smtClean="0">
-                <a:sym typeface="Wingdings" pitchFamily="2" charset="2"/>
-              </a:rPr>
-              <a:t>                  Wired camera  Creating our own drivers “*.dll”</a:t>
-            </a:r>
-          </a:p>
-          <a:p>
-            <a:r>
-              <a:rPr lang="en-US" dirty="0" smtClean="0">
-                <a:sym typeface="Wingdings" pitchFamily="2" charset="2"/>
-              </a:rPr>
-              <a:t>Tilted images</a:t>
-            </a:r>
-          </a:p>
-          <a:p>
-            <a:pPr>
-              <a:buNone/>
-            </a:pPr>
-            <a:r>
-              <a:rPr lang="en-US" sz="2400" dirty="0" smtClean="0">
-                <a:sym typeface="Wingdings" pitchFamily="2" charset="2"/>
-              </a:rPr>
-              <a:t>Problem : Image with more than 6 degrees of tilt gives faulty o/p</a:t>
-            </a:r>
-          </a:p>
-          <a:p>
-            <a:pPr>
-              <a:buNone/>
-            </a:pPr>
-            <a:r>
-              <a:rPr lang="en-US" sz="2400" dirty="0" smtClean="0">
-                <a:sym typeface="Wingdings" pitchFamily="2" charset="2"/>
-              </a:rPr>
-              <a:t>Solution : Calculating the </a:t>
-            </a:r>
-            <a:r>
-              <a:rPr lang="en-US" sz="2400" dirty="0" err="1" smtClean="0">
-                <a:sym typeface="Wingdings" pitchFamily="2" charset="2"/>
-              </a:rPr>
-              <a:t>centroids</a:t>
-            </a:r>
-            <a:r>
-              <a:rPr lang="en-US" sz="2400" dirty="0" smtClean="0">
-                <a:sym typeface="Wingdings" pitchFamily="2" charset="2"/>
-              </a:rPr>
-              <a:t> of bounded box and hence getting the degree of tilt</a:t>
-            </a:r>
+              <a:t>Shifting from </a:t>
+            </a:r>
+            <a:r>
+              <a:rPr lang="en-US" dirty="0" err="1" smtClean="0"/>
+              <a:t>Matlab</a:t>
+            </a:r>
+            <a:r>
+              <a:rPr lang="en-US" dirty="0" smtClean="0"/>
+              <a:t> to </a:t>
+            </a:r>
+            <a:r>
+              <a:rPr lang="en-US" dirty="0" err="1" smtClean="0"/>
+              <a:t>LabVIEW</a:t>
+            </a:r>
+            <a:r>
+              <a:rPr lang="en-US" dirty="0" smtClean="0"/>
+              <a:t> after developing few codes</a:t>
+            </a:r>
+          </a:p>
+          <a:p>
+            <a:r>
+              <a:rPr lang="en-US" dirty="0" smtClean="0"/>
+              <a:t>Writing camera drivers which are not supported on Windows 7</a:t>
+            </a:r>
+          </a:p>
+          <a:p>
+            <a:r>
+              <a:rPr lang="en-US" dirty="0" smtClean="0"/>
+              <a:t>Pixel to length (cm) calibrations</a:t>
+            </a:r>
+          </a:p>
+          <a:p>
+            <a:r>
+              <a:rPr lang="en-US" dirty="0" smtClean="0"/>
+              <a:t>Removing external illumination and providing diffused illumination</a:t>
+            </a:r>
+          </a:p>
+          <a:p>
+            <a:r>
+              <a:rPr lang="en-US" dirty="0" smtClean="0"/>
+              <a:t>Dynamic ROI calculation</a:t>
+            </a:r>
+          </a:p>
+          <a:p>
+            <a:r>
+              <a:rPr lang="en-US" dirty="0" smtClean="0"/>
+              <a:t>Dynamic tilt calculation</a:t>
+            </a:r>
+            <a:endParaRPr lang="en-US" dirty="0"/>
           </a:p>
         </p:txBody>
       </p:sp>
@@ -6063,38 +6288,30 @@
           <a:p>
             <a:r>
               <a:rPr lang="en-US" dirty="0" smtClean="0"/>
-              <a:t>Tasks completed (</a:t>
-            </a:r>
-            <a:r>
-              <a:rPr lang="en-US" dirty="0" err="1" smtClean="0"/>
-              <a:t>cotd</a:t>
-            </a:r>
+              <a:t>Tasks completed</a:t>
+            </a:r>
+            <a:endParaRPr lang="en-US" dirty="0"/>
+          </a:p>
+        </p:txBody>
+      </p:sp>
+      <p:sp>
+        <p:nvSpPr>
+          <p:cNvPr id="3" name="Content Placeholder 2"/>
+          <p:cNvSpPr>
+            <a:spLocks noGrp="1"/>
+          </p:cNvSpPr>
+          <p:nvPr>
+            <p:ph idx="1"/>
+          </p:nvPr>
+        </p:nvSpPr>
+        <p:spPr/>
+        <p:txBody>
+          <a:bodyPr/>
+          <a:lstStyle/>
+          <a:p>
             <a:r>
               <a:rPr lang="en-US" dirty="0" smtClean="0"/>
-              <a:t>.)</a:t>
-            </a:r>
-            <a:endParaRPr lang="en-US" dirty="0"/>
-          </a:p>
-        </p:txBody>
-      </p:sp>
-      <p:sp>
-        <p:nvSpPr>
-          <p:cNvPr id="3" name="Content Placeholder 2"/>
-          <p:cNvSpPr>
-            <a:spLocks noGrp="1"/>
-          </p:cNvSpPr>
-          <p:nvPr>
-            <p:ph idx="1"/>
-          </p:nvPr>
-        </p:nvSpPr>
-        <p:spPr/>
-        <p:txBody>
-          <a:bodyPr/>
-          <a:lstStyle/>
-          <a:p>
-            <a:r>
-              <a:rPr lang="en-US" dirty="0" smtClean="0"/>
-              <a:t>Debugging of the code</a:t>
+              <a:t>Camera interfacing</a:t>
             </a:r>
           </a:p>
           <a:p>
@@ -6103,7 +6320,7 @@
             </a:pPr>
             <a:r>
               <a:rPr lang="en-US" sz="2400" dirty="0" smtClean="0"/>
-              <a:t>Problem : Many difficulties during debugging/editing of code</a:t>
+              <a:t>Problem : Both cameras not compatible with windows 7</a:t>
             </a:r>
           </a:p>
           <a:p>
@@ -6112,13 +6329,25 @@
             </a:pPr>
             <a:r>
               <a:rPr lang="en-US" sz="2400" dirty="0" smtClean="0"/>
-              <a:t>Solution : Implementation of standard state machines and modular development of the code</a:t>
-            </a:r>
-          </a:p>
-          <a:p>
-            <a:r>
-              <a:rPr lang="en-US" dirty="0" smtClean="0"/>
-              <a:t>Database correction</a:t>
+              <a:t>Solution : Wireless camera </a:t>
+            </a:r>
+            <a:r>
+              <a:rPr lang="en-US" sz="2400" dirty="0" smtClean="0">
+                <a:sym typeface="Wingdings" pitchFamily="2" charset="2"/>
+              </a:rPr>
+              <a:t> Using “</a:t>
+            </a:r>
+            <a:r>
+              <a:rPr lang="en-US" sz="2400" dirty="0" err="1" smtClean="0">
+                <a:sym typeface="Wingdings" pitchFamily="2" charset="2"/>
+              </a:rPr>
+              <a:t>exescript</a:t>
+            </a:r>
+            <a:r>
+              <a:rPr lang="en-US" sz="2400" dirty="0" smtClean="0">
+                <a:sym typeface="Wingdings" pitchFamily="2" charset="2"/>
+              </a:rPr>
+              <a:t>”, screenshot and crop</a:t>
             </a:r>
           </a:p>
           <a:p>
@@ -6126,8 +6355,18 @@
               <a:buNone/>
             </a:pPr>
             <a:r>
-              <a:rPr lang="en-US" sz="2400" dirty="0" smtClean="0"/>
-              <a:t>Problem : Image processing is not 100% accurate</a:t>
+              <a:rPr lang="en-US" sz="2400" dirty="0" smtClean="0">
+                <a:sym typeface="Wingdings" pitchFamily="2" charset="2"/>
+              </a:rPr>
+              <a:t>                  Wired camera  Creating our own drivers “*.dll”</a:t>
+            </a:r>
+          </a:p>
+          <a:p>
+            <a:r>
+              <a:rPr lang="en-US" dirty="0" smtClean="0">
+                <a:sym typeface="Wingdings" pitchFamily="2" charset="2"/>
+              </a:rPr>
+              <a:t>Tilted images</a:t>
             </a:r>
           </a:p>
           <a:p>
@@ -6135,8 +6374,33 @@
               <a:buNone/>
             </a:pPr>
             <a:r>
-              <a:rPr lang="en-US" sz="2400" dirty="0" smtClean="0"/>
-              <a:t>Solution : Results after processing are matched with the database to get/predict the correct string</a:t>
+              <a:rPr lang="en-US" sz="2400" dirty="0" smtClean="0">
+                <a:sym typeface="Wingdings" pitchFamily="2" charset="2"/>
+              </a:rPr>
+              <a:t>Problem : Image with more than 6 degrees of tilt gives faulty o/p</a:t>
+            </a:r>
+          </a:p>
+          <a:p>
+            <a:pPr>
+              <a:buNone/>
+            </a:pPr>
+            <a:r>
+              <a:rPr lang="en-US" sz="2400" dirty="0" smtClean="0">
+                <a:sym typeface="Wingdings" pitchFamily="2" charset="2"/>
+              </a:rPr>
+              <a:t>Solution : Calculating the </a:t>
+            </a:r>
+            <a:r>
+              <a:rPr lang="en-US" sz="2400" dirty="0" err="1" smtClean="0">
+                <a:sym typeface="Wingdings" pitchFamily="2" charset="2"/>
+              </a:rPr>
+              <a:t>centroids</a:t>
+            </a:r>
+            <a:r>
+              <a:rPr lang="en-US" sz="2400" dirty="0" smtClean="0">
+                <a:sym typeface="Wingdings" pitchFamily="2" charset="2"/>
+              </a:rPr>
+              <a:t> of bounded box and hence getting the degree of tilt</a:t>
             </a:r>
           </a:p>
         </p:txBody>
